--- a/tutorials/tutorial5/tutorial_5.pptx
+++ b/tutorials/tutorial5/tutorial_5.pptx
@@ -5099,7 +5099,7 @@
           <p:cNvPr id="2" name="Title 1">
             <a:extLst>
               <a:ext uri="{FF2B5EF4-FFF2-40B4-BE49-F238E27FC236}">
-                <a16:creationId xmlns="" xmlns:a16="http://schemas.microsoft.com/office/drawing/2014/main" id="{5568E931-4C4C-45F2-B902-485EDE593658}"/>
+                <a16:creationId xmlns:a16="http://schemas.microsoft.com/office/drawing/2014/main" xmlns="" id="{5568E931-4C4C-45F2-B902-485EDE593658}"/>
               </a:ext>
             </a:extLst>
           </p:cNvPr>
@@ -5136,7 +5136,7 @@
           <p:cNvPr id="3" name="Subtitle 2">
             <a:extLst>
               <a:ext uri="{FF2B5EF4-FFF2-40B4-BE49-F238E27FC236}">
-                <a16:creationId xmlns="" xmlns:a16="http://schemas.microsoft.com/office/drawing/2014/main" id="{B24E634C-E28C-4DF8-9955-90EA6469A529}"/>
+                <a16:creationId xmlns:a16="http://schemas.microsoft.com/office/drawing/2014/main" xmlns="" id="{B24E634C-E28C-4DF8-9955-90EA6469A529}"/>
               </a:ext>
             </a:extLst>
           </p:cNvPr>
@@ -5206,7 +5206,7 @@
           <p:cNvPr id="4" name="Date Placeholder 3">
             <a:extLst>
               <a:ext uri="{FF2B5EF4-FFF2-40B4-BE49-F238E27FC236}">
-                <a16:creationId xmlns="" xmlns:a16="http://schemas.microsoft.com/office/drawing/2014/main" id="{233305D1-D310-44D7-88C6-AF17827999B6}"/>
+                <a16:creationId xmlns:a16="http://schemas.microsoft.com/office/drawing/2014/main" xmlns="" id="{233305D1-D310-44D7-88C6-AF17827999B6}"/>
               </a:ext>
             </a:extLst>
           </p:cNvPr>
@@ -5235,7 +5235,7 @@
           <p:cNvPr id="5" name="Footer Placeholder 4">
             <a:extLst>
               <a:ext uri="{FF2B5EF4-FFF2-40B4-BE49-F238E27FC236}">
-                <a16:creationId xmlns="" xmlns:a16="http://schemas.microsoft.com/office/drawing/2014/main" id="{747B0BC0-8EEB-4FF6-A118-446B8235AC8A}"/>
+                <a16:creationId xmlns:a16="http://schemas.microsoft.com/office/drawing/2014/main" xmlns="" id="{747B0BC0-8EEB-4FF6-A118-446B8235AC8A}"/>
               </a:ext>
             </a:extLst>
           </p:cNvPr>
@@ -5260,7 +5260,7 @@
           <p:cNvPr id="6" name="Slide Number Placeholder 5">
             <a:extLst>
               <a:ext uri="{FF2B5EF4-FFF2-40B4-BE49-F238E27FC236}">
-                <a16:creationId xmlns="" xmlns:a16="http://schemas.microsoft.com/office/drawing/2014/main" id="{D171858B-0609-45AE-BB34-38249B307D3A}"/>
+                <a16:creationId xmlns:a16="http://schemas.microsoft.com/office/drawing/2014/main" xmlns="" id="{D171858B-0609-45AE-BB34-38249B307D3A}"/>
               </a:ext>
             </a:extLst>
           </p:cNvPr>
@@ -5319,7 +5319,7 @@
           <p:cNvPr id="2" name="Title 1">
             <a:extLst>
               <a:ext uri="{FF2B5EF4-FFF2-40B4-BE49-F238E27FC236}">
-                <a16:creationId xmlns="" xmlns:a16="http://schemas.microsoft.com/office/drawing/2014/main" id="{87C17E7F-54C8-42AF-BBE7-CA233FA31162}"/>
+                <a16:creationId xmlns:a16="http://schemas.microsoft.com/office/drawing/2014/main" xmlns="" id="{87C17E7F-54C8-42AF-BBE7-CA233FA31162}"/>
               </a:ext>
             </a:extLst>
           </p:cNvPr>
@@ -5347,7 +5347,7 @@
           <p:cNvPr id="3" name="Vertical Text Placeholder 2">
             <a:extLst>
               <a:ext uri="{FF2B5EF4-FFF2-40B4-BE49-F238E27FC236}">
-                <a16:creationId xmlns="" xmlns:a16="http://schemas.microsoft.com/office/drawing/2014/main" id="{E776B97B-3221-43CD-861B-F88C189761A7}"/>
+                <a16:creationId xmlns:a16="http://schemas.microsoft.com/office/drawing/2014/main" xmlns="" id="{E776B97B-3221-43CD-861B-F88C189761A7}"/>
               </a:ext>
             </a:extLst>
           </p:cNvPr>
@@ -5404,7 +5404,7 @@
           <p:cNvPr id="4" name="Date Placeholder 3">
             <a:extLst>
               <a:ext uri="{FF2B5EF4-FFF2-40B4-BE49-F238E27FC236}">
-                <a16:creationId xmlns="" xmlns:a16="http://schemas.microsoft.com/office/drawing/2014/main" id="{E204EAC7-5519-44E9-9C42-2CEBF6CB3711}"/>
+                <a16:creationId xmlns:a16="http://schemas.microsoft.com/office/drawing/2014/main" xmlns="" id="{E204EAC7-5519-44E9-9C42-2CEBF6CB3711}"/>
               </a:ext>
             </a:extLst>
           </p:cNvPr>
@@ -5433,7 +5433,7 @@
           <p:cNvPr id="5" name="Footer Placeholder 4">
             <a:extLst>
               <a:ext uri="{FF2B5EF4-FFF2-40B4-BE49-F238E27FC236}">
-                <a16:creationId xmlns="" xmlns:a16="http://schemas.microsoft.com/office/drawing/2014/main" id="{819A8FAA-E7F0-4121-820E-75C55DA5F313}"/>
+                <a16:creationId xmlns:a16="http://schemas.microsoft.com/office/drawing/2014/main" xmlns="" id="{819A8FAA-E7F0-4121-820E-75C55DA5F313}"/>
               </a:ext>
             </a:extLst>
           </p:cNvPr>
@@ -5458,7 +5458,7 @@
           <p:cNvPr id="6" name="Slide Number Placeholder 5">
             <a:extLst>
               <a:ext uri="{FF2B5EF4-FFF2-40B4-BE49-F238E27FC236}">
-                <a16:creationId xmlns="" xmlns:a16="http://schemas.microsoft.com/office/drawing/2014/main" id="{70FF9A8C-4DBA-408C-AC87-D2CF584E26E6}"/>
+                <a16:creationId xmlns:a16="http://schemas.microsoft.com/office/drawing/2014/main" xmlns="" id="{70FF9A8C-4DBA-408C-AC87-D2CF584E26E6}"/>
               </a:ext>
             </a:extLst>
           </p:cNvPr>
@@ -5517,7 +5517,7 @@
           <p:cNvPr id="2" name="Vertical Title 1">
             <a:extLst>
               <a:ext uri="{FF2B5EF4-FFF2-40B4-BE49-F238E27FC236}">
-                <a16:creationId xmlns="" xmlns:a16="http://schemas.microsoft.com/office/drawing/2014/main" id="{5DB46A20-4826-400F-B81E-0AF981D38B85}"/>
+                <a16:creationId xmlns:a16="http://schemas.microsoft.com/office/drawing/2014/main" xmlns="" id="{5DB46A20-4826-400F-B81E-0AF981D38B85}"/>
               </a:ext>
             </a:extLst>
           </p:cNvPr>
@@ -5550,7 +5550,7 @@
           <p:cNvPr id="3" name="Vertical Text Placeholder 2">
             <a:extLst>
               <a:ext uri="{FF2B5EF4-FFF2-40B4-BE49-F238E27FC236}">
-                <a16:creationId xmlns="" xmlns:a16="http://schemas.microsoft.com/office/drawing/2014/main" id="{12B8CB7D-CA3E-476E-84AD-881F7F70DBD2}"/>
+                <a16:creationId xmlns:a16="http://schemas.microsoft.com/office/drawing/2014/main" xmlns="" id="{12B8CB7D-CA3E-476E-84AD-881F7F70DBD2}"/>
               </a:ext>
             </a:extLst>
           </p:cNvPr>
@@ -5612,7 +5612,7 @@
           <p:cNvPr id="4" name="Date Placeholder 3">
             <a:extLst>
               <a:ext uri="{FF2B5EF4-FFF2-40B4-BE49-F238E27FC236}">
-                <a16:creationId xmlns="" xmlns:a16="http://schemas.microsoft.com/office/drawing/2014/main" id="{438D9E4A-E85B-4CF7-9C71-A1F319B735B7}"/>
+                <a16:creationId xmlns:a16="http://schemas.microsoft.com/office/drawing/2014/main" xmlns="" id="{438D9E4A-E85B-4CF7-9C71-A1F319B735B7}"/>
               </a:ext>
             </a:extLst>
           </p:cNvPr>
@@ -5641,7 +5641,7 @@
           <p:cNvPr id="5" name="Footer Placeholder 4">
             <a:extLst>
               <a:ext uri="{FF2B5EF4-FFF2-40B4-BE49-F238E27FC236}">
-                <a16:creationId xmlns="" xmlns:a16="http://schemas.microsoft.com/office/drawing/2014/main" id="{A175C727-7494-42CD-A128-1C4012FA9148}"/>
+                <a16:creationId xmlns:a16="http://schemas.microsoft.com/office/drawing/2014/main" xmlns="" id="{A175C727-7494-42CD-A128-1C4012FA9148}"/>
               </a:ext>
             </a:extLst>
           </p:cNvPr>
@@ -5666,7 +5666,7 @@
           <p:cNvPr id="6" name="Slide Number Placeholder 5">
             <a:extLst>
               <a:ext uri="{FF2B5EF4-FFF2-40B4-BE49-F238E27FC236}">
-                <a16:creationId xmlns="" xmlns:a16="http://schemas.microsoft.com/office/drawing/2014/main" id="{5A5126F2-E862-42F8-9CAE-5586AC74E900}"/>
+                <a16:creationId xmlns:a16="http://schemas.microsoft.com/office/drawing/2014/main" xmlns="" id="{5A5126F2-E862-42F8-9CAE-5586AC74E900}"/>
               </a:ext>
             </a:extLst>
           </p:cNvPr>
@@ -5736,7 +5736,7 @@
           <p:cNvPr id="2" name="Title 1">
             <a:extLst>
               <a:ext uri="{FF2B5EF4-FFF2-40B4-BE49-F238E27FC236}">
-                <a16:creationId xmlns="" xmlns:a16="http://schemas.microsoft.com/office/drawing/2014/main" id="{06D0DC5E-1061-4B70-BABC-687E4FA7EDDC}"/>
+                <a16:creationId xmlns:a16="http://schemas.microsoft.com/office/drawing/2014/main" xmlns="" id="{06D0DC5E-1061-4B70-BABC-687E4FA7EDDC}"/>
               </a:ext>
             </a:extLst>
           </p:cNvPr>
@@ -5764,7 +5764,7 @@
           <p:cNvPr id="3" name="Content Placeholder 2">
             <a:extLst>
               <a:ext uri="{FF2B5EF4-FFF2-40B4-BE49-F238E27FC236}">
-                <a16:creationId xmlns="" xmlns:a16="http://schemas.microsoft.com/office/drawing/2014/main" id="{FCA2EBD5-76D9-4C20-BDEA-5908F42FB769}"/>
+                <a16:creationId xmlns:a16="http://schemas.microsoft.com/office/drawing/2014/main" xmlns="" id="{FCA2EBD5-76D9-4C20-BDEA-5908F42FB769}"/>
               </a:ext>
             </a:extLst>
           </p:cNvPr>
@@ -5821,7 +5821,7 @@
           <p:cNvPr id="4" name="Date Placeholder 3">
             <a:extLst>
               <a:ext uri="{FF2B5EF4-FFF2-40B4-BE49-F238E27FC236}">
-                <a16:creationId xmlns="" xmlns:a16="http://schemas.microsoft.com/office/drawing/2014/main" id="{0AFDAD72-9703-409C-8A68-7D37060FB82B}"/>
+                <a16:creationId xmlns:a16="http://schemas.microsoft.com/office/drawing/2014/main" xmlns="" id="{0AFDAD72-9703-409C-8A68-7D37060FB82B}"/>
               </a:ext>
             </a:extLst>
           </p:cNvPr>
@@ -5850,7 +5850,7 @@
           <p:cNvPr id="5" name="Footer Placeholder 4">
             <a:extLst>
               <a:ext uri="{FF2B5EF4-FFF2-40B4-BE49-F238E27FC236}">
-                <a16:creationId xmlns="" xmlns:a16="http://schemas.microsoft.com/office/drawing/2014/main" id="{2270392E-6D3B-4BD2-BCC0-A902DFDB733D}"/>
+                <a16:creationId xmlns:a16="http://schemas.microsoft.com/office/drawing/2014/main" xmlns="" id="{2270392E-6D3B-4BD2-BCC0-A902DFDB733D}"/>
               </a:ext>
             </a:extLst>
           </p:cNvPr>
@@ -5875,7 +5875,7 @@
           <p:cNvPr id="6" name="Slide Number Placeholder 5">
             <a:extLst>
               <a:ext uri="{FF2B5EF4-FFF2-40B4-BE49-F238E27FC236}">
-                <a16:creationId xmlns="" xmlns:a16="http://schemas.microsoft.com/office/drawing/2014/main" id="{73AA9E3E-1445-4E28-A12E-2AED263B400F}"/>
+                <a16:creationId xmlns:a16="http://schemas.microsoft.com/office/drawing/2014/main" xmlns="" id="{73AA9E3E-1445-4E28-A12E-2AED263B400F}"/>
               </a:ext>
             </a:extLst>
           </p:cNvPr>
@@ -5934,7 +5934,7 @@
           <p:cNvPr id="2" name="Title 1">
             <a:extLst>
               <a:ext uri="{FF2B5EF4-FFF2-40B4-BE49-F238E27FC236}">
-                <a16:creationId xmlns="" xmlns:a16="http://schemas.microsoft.com/office/drawing/2014/main" id="{FA30D514-361D-459F-A408-94919B2D9556}"/>
+                <a16:creationId xmlns:a16="http://schemas.microsoft.com/office/drawing/2014/main" xmlns="" id="{FA30D514-361D-459F-A408-94919B2D9556}"/>
               </a:ext>
             </a:extLst>
           </p:cNvPr>
@@ -5971,7 +5971,7 @@
           <p:cNvPr id="3" name="Text Placeholder 2">
             <a:extLst>
               <a:ext uri="{FF2B5EF4-FFF2-40B4-BE49-F238E27FC236}">
-                <a16:creationId xmlns="" xmlns:a16="http://schemas.microsoft.com/office/drawing/2014/main" id="{C85CA5E1-B6EA-4422-AF94-08C4D3E6BDF1}"/>
+                <a16:creationId xmlns:a16="http://schemas.microsoft.com/office/drawing/2014/main" xmlns="" id="{C85CA5E1-B6EA-4422-AF94-08C4D3E6BDF1}"/>
               </a:ext>
             </a:extLst>
           </p:cNvPr>
@@ -6096,7 +6096,7 @@
           <p:cNvPr id="4" name="Date Placeholder 3">
             <a:extLst>
               <a:ext uri="{FF2B5EF4-FFF2-40B4-BE49-F238E27FC236}">
-                <a16:creationId xmlns="" xmlns:a16="http://schemas.microsoft.com/office/drawing/2014/main" id="{10B668AD-9DAA-4214-89AF-F73DCC32A778}"/>
+                <a16:creationId xmlns:a16="http://schemas.microsoft.com/office/drawing/2014/main" xmlns="" id="{10B668AD-9DAA-4214-89AF-F73DCC32A778}"/>
               </a:ext>
             </a:extLst>
           </p:cNvPr>
@@ -6125,7 +6125,7 @@
           <p:cNvPr id="5" name="Footer Placeholder 4">
             <a:extLst>
               <a:ext uri="{FF2B5EF4-FFF2-40B4-BE49-F238E27FC236}">
-                <a16:creationId xmlns="" xmlns:a16="http://schemas.microsoft.com/office/drawing/2014/main" id="{2E6A2B39-C38F-4957-BFA6-40C5E676EF05}"/>
+                <a16:creationId xmlns:a16="http://schemas.microsoft.com/office/drawing/2014/main" xmlns="" id="{2E6A2B39-C38F-4957-BFA6-40C5E676EF05}"/>
               </a:ext>
             </a:extLst>
           </p:cNvPr>
@@ -6150,7 +6150,7 @@
           <p:cNvPr id="6" name="Slide Number Placeholder 5">
             <a:extLst>
               <a:ext uri="{FF2B5EF4-FFF2-40B4-BE49-F238E27FC236}">
-                <a16:creationId xmlns="" xmlns:a16="http://schemas.microsoft.com/office/drawing/2014/main" id="{EC1C6005-81A6-4F53-8154-7A5F5534DD65}"/>
+                <a16:creationId xmlns:a16="http://schemas.microsoft.com/office/drawing/2014/main" xmlns="" id="{EC1C6005-81A6-4F53-8154-7A5F5534DD65}"/>
               </a:ext>
             </a:extLst>
           </p:cNvPr>
@@ -6209,7 +6209,7 @@
           <p:cNvPr id="2" name="Title 1">
             <a:extLst>
               <a:ext uri="{FF2B5EF4-FFF2-40B4-BE49-F238E27FC236}">
-                <a16:creationId xmlns="" xmlns:a16="http://schemas.microsoft.com/office/drawing/2014/main" id="{396636D2-3BF8-4C49-A475-6A404C396820}"/>
+                <a16:creationId xmlns:a16="http://schemas.microsoft.com/office/drawing/2014/main" xmlns="" id="{396636D2-3BF8-4C49-A475-6A404C396820}"/>
               </a:ext>
             </a:extLst>
           </p:cNvPr>
@@ -6237,7 +6237,7 @@
           <p:cNvPr id="3" name="Content Placeholder 2">
             <a:extLst>
               <a:ext uri="{FF2B5EF4-FFF2-40B4-BE49-F238E27FC236}">
-                <a16:creationId xmlns="" xmlns:a16="http://schemas.microsoft.com/office/drawing/2014/main" id="{BE156000-D373-4E23-A657-D713ACAF2ADB}"/>
+                <a16:creationId xmlns:a16="http://schemas.microsoft.com/office/drawing/2014/main" xmlns="" id="{BE156000-D373-4E23-A657-D713ACAF2ADB}"/>
               </a:ext>
             </a:extLst>
           </p:cNvPr>
@@ -6299,7 +6299,7 @@
           <p:cNvPr id="4" name="Content Placeholder 3">
             <a:extLst>
               <a:ext uri="{FF2B5EF4-FFF2-40B4-BE49-F238E27FC236}">
-                <a16:creationId xmlns="" xmlns:a16="http://schemas.microsoft.com/office/drawing/2014/main" id="{01A1A699-FD84-497E-8E46-F5BA06DA8F6B}"/>
+                <a16:creationId xmlns:a16="http://schemas.microsoft.com/office/drawing/2014/main" xmlns="" id="{01A1A699-FD84-497E-8E46-F5BA06DA8F6B}"/>
               </a:ext>
             </a:extLst>
           </p:cNvPr>
@@ -6361,7 +6361,7 @@
           <p:cNvPr id="5" name="Date Placeholder 4">
             <a:extLst>
               <a:ext uri="{FF2B5EF4-FFF2-40B4-BE49-F238E27FC236}">
-                <a16:creationId xmlns="" xmlns:a16="http://schemas.microsoft.com/office/drawing/2014/main" id="{642D5312-B628-44BD-985E-B3C93417028A}"/>
+                <a16:creationId xmlns:a16="http://schemas.microsoft.com/office/drawing/2014/main" xmlns="" id="{642D5312-B628-44BD-985E-B3C93417028A}"/>
               </a:ext>
             </a:extLst>
           </p:cNvPr>
@@ -6390,7 +6390,7 @@
           <p:cNvPr id="6" name="Footer Placeholder 5">
             <a:extLst>
               <a:ext uri="{FF2B5EF4-FFF2-40B4-BE49-F238E27FC236}">
-                <a16:creationId xmlns="" xmlns:a16="http://schemas.microsoft.com/office/drawing/2014/main" id="{88797FEE-825D-4C11-B219-83422CE2138D}"/>
+                <a16:creationId xmlns:a16="http://schemas.microsoft.com/office/drawing/2014/main" xmlns="" id="{88797FEE-825D-4C11-B219-83422CE2138D}"/>
               </a:ext>
             </a:extLst>
           </p:cNvPr>
@@ -6415,7 +6415,7 @@
           <p:cNvPr id="7" name="Slide Number Placeholder 6">
             <a:extLst>
               <a:ext uri="{FF2B5EF4-FFF2-40B4-BE49-F238E27FC236}">
-                <a16:creationId xmlns="" xmlns:a16="http://schemas.microsoft.com/office/drawing/2014/main" id="{4DC7B0D1-E98F-4BBF-9B97-3D21728EEC61}"/>
+                <a16:creationId xmlns:a16="http://schemas.microsoft.com/office/drawing/2014/main" xmlns="" id="{4DC7B0D1-E98F-4BBF-9B97-3D21728EEC61}"/>
               </a:ext>
             </a:extLst>
           </p:cNvPr>
@@ -6474,7 +6474,7 @@
           <p:cNvPr id="2" name="Title 1">
             <a:extLst>
               <a:ext uri="{FF2B5EF4-FFF2-40B4-BE49-F238E27FC236}">
-                <a16:creationId xmlns="" xmlns:a16="http://schemas.microsoft.com/office/drawing/2014/main" id="{D792EC34-20DB-4A21-9E62-3816FAE05A96}"/>
+                <a16:creationId xmlns:a16="http://schemas.microsoft.com/office/drawing/2014/main" xmlns="" id="{D792EC34-20DB-4A21-9E62-3816FAE05A96}"/>
               </a:ext>
             </a:extLst>
           </p:cNvPr>
@@ -6507,7 +6507,7 @@
           <p:cNvPr id="3" name="Text Placeholder 2">
             <a:extLst>
               <a:ext uri="{FF2B5EF4-FFF2-40B4-BE49-F238E27FC236}">
-                <a16:creationId xmlns="" xmlns:a16="http://schemas.microsoft.com/office/drawing/2014/main" id="{D88E5067-BA4A-4D1B-98C2-0E19F3F4F212}"/>
+                <a16:creationId xmlns:a16="http://schemas.microsoft.com/office/drawing/2014/main" xmlns="" id="{D88E5067-BA4A-4D1B-98C2-0E19F3F4F212}"/>
               </a:ext>
             </a:extLst>
           </p:cNvPr>
@@ -6578,7 +6578,7 @@
           <p:cNvPr id="4" name="Content Placeholder 3">
             <a:extLst>
               <a:ext uri="{FF2B5EF4-FFF2-40B4-BE49-F238E27FC236}">
-                <a16:creationId xmlns="" xmlns:a16="http://schemas.microsoft.com/office/drawing/2014/main" id="{EA3F9F16-3C12-4A17-84BD-C3C01E0CDB2A}"/>
+                <a16:creationId xmlns:a16="http://schemas.microsoft.com/office/drawing/2014/main" xmlns="" id="{EA3F9F16-3C12-4A17-84BD-C3C01E0CDB2A}"/>
               </a:ext>
             </a:extLst>
           </p:cNvPr>
@@ -6640,7 +6640,7 @@
           <p:cNvPr id="5" name="Text Placeholder 4">
             <a:extLst>
               <a:ext uri="{FF2B5EF4-FFF2-40B4-BE49-F238E27FC236}">
-                <a16:creationId xmlns="" xmlns:a16="http://schemas.microsoft.com/office/drawing/2014/main" id="{EF6FD4B9-90F2-4BA5-A0A0-CCA58BF64DE4}"/>
+                <a16:creationId xmlns:a16="http://schemas.microsoft.com/office/drawing/2014/main" xmlns="" id="{EF6FD4B9-90F2-4BA5-A0A0-CCA58BF64DE4}"/>
               </a:ext>
             </a:extLst>
           </p:cNvPr>
@@ -6711,7 +6711,7 @@
           <p:cNvPr id="6" name="Content Placeholder 5">
             <a:extLst>
               <a:ext uri="{FF2B5EF4-FFF2-40B4-BE49-F238E27FC236}">
-                <a16:creationId xmlns="" xmlns:a16="http://schemas.microsoft.com/office/drawing/2014/main" id="{0BF88548-04AF-4E4A-8884-7BF50BAD1944}"/>
+                <a16:creationId xmlns:a16="http://schemas.microsoft.com/office/drawing/2014/main" xmlns="" id="{0BF88548-04AF-4E4A-8884-7BF50BAD1944}"/>
               </a:ext>
             </a:extLst>
           </p:cNvPr>
@@ -6773,7 +6773,7 @@
           <p:cNvPr id="7" name="Date Placeholder 6">
             <a:extLst>
               <a:ext uri="{FF2B5EF4-FFF2-40B4-BE49-F238E27FC236}">
-                <a16:creationId xmlns="" xmlns:a16="http://schemas.microsoft.com/office/drawing/2014/main" id="{BF7FE308-1F3F-42DA-B4BB-CE1BF0D77231}"/>
+                <a16:creationId xmlns:a16="http://schemas.microsoft.com/office/drawing/2014/main" xmlns="" id="{BF7FE308-1F3F-42DA-B4BB-CE1BF0D77231}"/>
               </a:ext>
             </a:extLst>
           </p:cNvPr>
@@ -6802,7 +6802,7 @@
           <p:cNvPr id="8" name="Footer Placeholder 7">
             <a:extLst>
               <a:ext uri="{FF2B5EF4-FFF2-40B4-BE49-F238E27FC236}">
-                <a16:creationId xmlns="" xmlns:a16="http://schemas.microsoft.com/office/drawing/2014/main" id="{6DF4647C-2959-4928-9B1F-12DDB9887D2B}"/>
+                <a16:creationId xmlns:a16="http://schemas.microsoft.com/office/drawing/2014/main" xmlns="" id="{6DF4647C-2959-4928-9B1F-12DDB9887D2B}"/>
               </a:ext>
             </a:extLst>
           </p:cNvPr>
@@ -6827,7 +6827,7 @@
           <p:cNvPr id="9" name="Slide Number Placeholder 8">
             <a:extLst>
               <a:ext uri="{FF2B5EF4-FFF2-40B4-BE49-F238E27FC236}">
-                <a16:creationId xmlns="" xmlns:a16="http://schemas.microsoft.com/office/drawing/2014/main" id="{9B297785-6079-4514-AC96-CA3BA853B5F9}"/>
+                <a16:creationId xmlns:a16="http://schemas.microsoft.com/office/drawing/2014/main" xmlns="" id="{9B297785-6079-4514-AC96-CA3BA853B5F9}"/>
               </a:ext>
             </a:extLst>
           </p:cNvPr>
@@ -6886,7 +6886,7 @@
           <p:cNvPr id="2" name="Title 1">
             <a:extLst>
               <a:ext uri="{FF2B5EF4-FFF2-40B4-BE49-F238E27FC236}">
-                <a16:creationId xmlns="" xmlns:a16="http://schemas.microsoft.com/office/drawing/2014/main" id="{834A13ED-1BA0-411B-994F-F58A346F9527}"/>
+                <a16:creationId xmlns:a16="http://schemas.microsoft.com/office/drawing/2014/main" xmlns="" id="{834A13ED-1BA0-411B-994F-F58A346F9527}"/>
               </a:ext>
             </a:extLst>
           </p:cNvPr>
@@ -6914,7 +6914,7 @@
           <p:cNvPr id="3" name="Date Placeholder 2">
             <a:extLst>
               <a:ext uri="{FF2B5EF4-FFF2-40B4-BE49-F238E27FC236}">
-                <a16:creationId xmlns="" xmlns:a16="http://schemas.microsoft.com/office/drawing/2014/main" id="{E39377D9-FA44-430F-A15B-090262CBFD26}"/>
+                <a16:creationId xmlns:a16="http://schemas.microsoft.com/office/drawing/2014/main" xmlns="" id="{E39377D9-FA44-430F-A15B-090262CBFD26}"/>
               </a:ext>
             </a:extLst>
           </p:cNvPr>
@@ -6943,7 +6943,7 @@
           <p:cNvPr id="4" name="Footer Placeholder 3">
             <a:extLst>
               <a:ext uri="{FF2B5EF4-FFF2-40B4-BE49-F238E27FC236}">
-                <a16:creationId xmlns="" xmlns:a16="http://schemas.microsoft.com/office/drawing/2014/main" id="{782555CC-5EC6-40F6-B9BE-51F2D4DB8186}"/>
+                <a16:creationId xmlns:a16="http://schemas.microsoft.com/office/drawing/2014/main" xmlns="" id="{782555CC-5EC6-40F6-B9BE-51F2D4DB8186}"/>
               </a:ext>
             </a:extLst>
           </p:cNvPr>
@@ -6968,7 +6968,7 @@
           <p:cNvPr id="5" name="Slide Number Placeholder 4">
             <a:extLst>
               <a:ext uri="{FF2B5EF4-FFF2-40B4-BE49-F238E27FC236}">
-                <a16:creationId xmlns="" xmlns:a16="http://schemas.microsoft.com/office/drawing/2014/main" id="{16E49A02-086B-4BE0-9A8F-FE8E062E6154}"/>
+                <a16:creationId xmlns:a16="http://schemas.microsoft.com/office/drawing/2014/main" xmlns="" id="{16E49A02-086B-4BE0-9A8F-FE8E062E6154}"/>
               </a:ext>
             </a:extLst>
           </p:cNvPr>
@@ -7027,7 +7027,7 @@
           <p:cNvPr id="2" name="Date Placeholder 1">
             <a:extLst>
               <a:ext uri="{FF2B5EF4-FFF2-40B4-BE49-F238E27FC236}">
-                <a16:creationId xmlns="" xmlns:a16="http://schemas.microsoft.com/office/drawing/2014/main" id="{B68C5EAE-92CE-47DD-A859-6C49D2992F26}"/>
+                <a16:creationId xmlns:a16="http://schemas.microsoft.com/office/drawing/2014/main" xmlns="" id="{B68C5EAE-92CE-47DD-A859-6C49D2992F26}"/>
               </a:ext>
             </a:extLst>
           </p:cNvPr>
@@ -7056,7 +7056,7 @@
           <p:cNvPr id="3" name="Footer Placeholder 2">
             <a:extLst>
               <a:ext uri="{FF2B5EF4-FFF2-40B4-BE49-F238E27FC236}">
-                <a16:creationId xmlns="" xmlns:a16="http://schemas.microsoft.com/office/drawing/2014/main" id="{EA74818C-565C-4B80-B89C-0A17788DFC5E}"/>
+                <a16:creationId xmlns:a16="http://schemas.microsoft.com/office/drawing/2014/main" xmlns="" id="{EA74818C-565C-4B80-B89C-0A17788DFC5E}"/>
               </a:ext>
             </a:extLst>
           </p:cNvPr>
@@ -7081,7 +7081,7 @@
           <p:cNvPr id="4" name="Slide Number Placeholder 3">
             <a:extLst>
               <a:ext uri="{FF2B5EF4-FFF2-40B4-BE49-F238E27FC236}">
-                <a16:creationId xmlns="" xmlns:a16="http://schemas.microsoft.com/office/drawing/2014/main" id="{CB8F46F1-2341-46B9-9AC4-B49C46DC355A}"/>
+                <a16:creationId xmlns:a16="http://schemas.microsoft.com/office/drawing/2014/main" xmlns="" id="{CB8F46F1-2341-46B9-9AC4-B49C46DC355A}"/>
               </a:ext>
             </a:extLst>
           </p:cNvPr>
@@ -7140,7 +7140,7 @@
           <p:cNvPr id="2" name="Title 1">
             <a:extLst>
               <a:ext uri="{FF2B5EF4-FFF2-40B4-BE49-F238E27FC236}">
-                <a16:creationId xmlns="" xmlns:a16="http://schemas.microsoft.com/office/drawing/2014/main" id="{73079B8A-DE8B-45EA-AD27-4BC74B04B45D}"/>
+                <a16:creationId xmlns:a16="http://schemas.microsoft.com/office/drawing/2014/main" xmlns="" id="{73079B8A-DE8B-45EA-AD27-4BC74B04B45D}"/>
               </a:ext>
             </a:extLst>
           </p:cNvPr>
@@ -7177,7 +7177,7 @@
           <p:cNvPr id="3" name="Content Placeholder 2">
             <a:extLst>
               <a:ext uri="{FF2B5EF4-FFF2-40B4-BE49-F238E27FC236}">
-                <a16:creationId xmlns="" xmlns:a16="http://schemas.microsoft.com/office/drawing/2014/main" id="{BA498CC9-72B6-459F-8AF3-6E9235A45564}"/>
+                <a16:creationId xmlns:a16="http://schemas.microsoft.com/office/drawing/2014/main" xmlns="" id="{BA498CC9-72B6-459F-8AF3-6E9235A45564}"/>
               </a:ext>
             </a:extLst>
           </p:cNvPr>
@@ -7267,7 +7267,7 @@
           <p:cNvPr id="4" name="Text Placeholder 3">
             <a:extLst>
               <a:ext uri="{FF2B5EF4-FFF2-40B4-BE49-F238E27FC236}">
-                <a16:creationId xmlns="" xmlns:a16="http://schemas.microsoft.com/office/drawing/2014/main" id="{43621544-1E7B-4680-B2D6-522535108EF0}"/>
+                <a16:creationId xmlns:a16="http://schemas.microsoft.com/office/drawing/2014/main" xmlns="" id="{43621544-1E7B-4680-B2D6-522535108EF0}"/>
               </a:ext>
             </a:extLst>
           </p:cNvPr>
@@ -7338,7 +7338,7 @@
           <p:cNvPr id="5" name="Date Placeholder 4">
             <a:extLst>
               <a:ext uri="{FF2B5EF4-FFF2-40B4-BE49-F238E27FC236}">
-                <a16:creationId xmlns="" xmlns:a16="http://schemas.microsoft.com/office/drawing/2014/main" id="{237BE50B-018F-4EC9-9ED3-9D36C2BBEB9A}"/>
+                <a16:creationId xmlns:a16="http://schemas.microsoft.com/office/drawing/2014/main" xmlns="" id="{237BE50B-018F-4EC9-9ED3-9D36C2BBEB9A}"/>
               </a:ext>
             </a:extLst>
           </p:cNvPr>
@@ -7367,7 +7367,7 @@
           <p:cNvPr id="6" name="Footer Placeholder 5">
             <a:extLst>
               <a:ext uri="{FF2B5EF4-FFF2-40B4-BE49-F238E27FC236}">
-                <a16:creationId xmlns="" xmlns:a16="http://schemas.microsoft.com/office/drawing/2014/main" id="{3EAFC42A-564B-4A6C-BFDA-C8EB70277215}"/>
+                <a16:creationId xmlns:a16="http://schemas.microsoft.com/office/drawing/2014/main" xmlns="" id="{3EAFC42A-564B-4A6C-BFDA-C8EB70277215}"/>
               </a:ext>
             </a:extLst>
           </p:cNvPr>
@@ -7392,7 +7392,7 @@
           <p:cNvPr id="7" name="Slide Number Placeholder 6">
             <a:extLst>
               <a:ext uri="{FF2B5EF4-FFF2-40B4-BE49-F238E27FC236}">
-                <a16:creationId xmlns="" xmlns:a16="http://schemas.microsoft.com/office/drawing/2014/main" id="{782EECCF-C1CA-4161-BBF2-42ABE77D7B96}"/>
+                <a16:creationId xmlns:a16="http://schemas.microsoft.com/office/drawing/2014/main" xmlns="" id="{782EECCF-C1CA-4161-BBF2-42ABE77D7B96}"/>
               </a:ext>
             </a:extLst>
           </p:cNvPr>
@@ -7451,7 +7451,7 @@
           <p:cNvPr id="2" name="Title 1">
             <a:extLst>
               <a:ext uri="{FF2B5EF4-FFF2-40B4-BE49-F238E27FC236}">
-                <a16:creationId xmlns="" xmlns:a16="http://schemas.microsoft.com/office/drawing/2014/main" id="{54DBF324-4357-43E9-B118-C2F4AD283852}"/>
+                <a16:creationId xmlns:a16="http://schemas.microsoft.com/office/drawing/2014/main" xmlns="" id="{54DBF324-4357-43E9-B118-C2F4AD283852}"/>
               </a:ext>
             </a:extLst>
           </p:cNvPr>
@@ -7488,7 +7488,7 @@
           <p:cNvPr id="3" name="Picture Placeholder 2">
             <a:extLst>
               <a:ext uri="{FF2B5EF4-FFF2-40B4-BE49-F238E27FC236}">
-                <a16:creationId xmlns="" xmlns:a16="http://schemas.microsoft.com/office/drawing/2014/main" id="{C3C3D9DE-1277-408C-9407-D2C7705F03E8}"/>
+                <a16:creationId xmlns:a16="http://schemas.microsoft.com/office/drawing/2014/main" xmlns="" id="{C3C3D9DE-1277-408C-9407-D2C7705F03E8}"/>
               </a:ext>
             </a:extLst>
           </p:cNvPr>
@@ -7555,7 +7555,7 @@
           <p:cNvPr id="4" name="Text Placeholder 3">
             <a:extLst>
               <a:ext uri="{FF2B5EF4-FFF2-40B4-BE49-F238E27FC236}">
-                <a16:creationId xmlns="" xmlns:a16="http://schemas.microsoft.com/office/drawing/2014/main" id="{6E0C119A-BA1E-4378-AA4A-0C9DAF885FFE}"/>
+                <a16:creationId xmlns:a16="http://schemas.microsoft.com/office/drawing/2014/main" xmlns="" id="{6E0C119A-BA1E-4378-AA4A-0C9DAF885FFE}"/>
               </a:ext>
             </a:extLst>
           </p:cNvPr>
@@ -7626,7 +7626,7 @@
           <p:cNvPr id="5" name="Date Placeholder 4">
             <a:extLst>
               <a:ext uri="{FF2B5EF4-FFF2-40B4-BE49-F238E27FC236}">
-                <a16:creationId xmlns="" xmlns:a16="http://schemas.microsoft.com/office/drawing/2014/main" id="{FF9E3493-3287-4530-A267-685830739ECD}"/>
+                <a16:creationId xmlns:a16="http://schemas.microsoft.com/office/drawing/2014/main" xmlns="" id="{FF9E3493-3287-4530-A267-685830739ECD}"/>
               </a:ext>
             </a:extLst>
           </p:cNvPr>
@@ -7655,7 +7655,7 @@
           <p:cNvPr id="6" name="Footer Placeholder 5">
             <a:extLst>
               <a:ext uri="{FF2B5EF4-FFF2-40B4-BE49-F238E27FC236}">
-                <a16:creationId xmlns="" xmlns:a16="http://schemas.microsoft.com/office/drawing/2014/main" id="{B14FE2B9-2CD7-48AC-8AA6-4318B2D9D58B}"/>
+                <a16:creationId xmlns:a16="http://schemas.microsoft.com/office/drawing/2014/main" xmlns="" id="{B14FE2B9-2CD7-48AC-8AA6-4318B2D9D58B}"/>
               </a:ext>
             </a:extLst>
           </p:cNvPr>
@@ -7680,7 +7680,7 @@
           <p:cNvPr id="7" name="Slide Number Placeholder 6">
             <a:extLst>
               <a:ext uri="{FF2B5EF4-FFF2-40B4-BE49-F238E27FC236}">
-                <a16:creationId xmlns="" xmlns:a16="http://schemas.microsoft.com/office/drawing/2014/main" id="{8627A976-EB96-4466-8AFC-7A1EF8AF47C9}"/>
+                <a16:creationId xmlns:a16="http://schemas.microsoft.com/office/drawing/2014/main" xmlns="" id="{8627A976-EB96-4466-8AFC-7A1EF8AF47C9}"/>
               </a:ext>
             </a:extLst>
           </p:cNvPr>
@@ -7744,7 +7744,7 @@
           <p:cNvPr id="2" name="Title Placeholder 1">
             <a:extLst>
               <a:ext uri="{FF2B5EF4-FFF2-40B4-BE49-F238E27FC236}">
-                <a16:creationId xmlns="" xmlns:a16="http://schemas.microsoft.com/office/drawing/2014/main" id="{B1A61D15-F808-473D-B195-9060ACBBECE3}"/>
+                <a16:creationId xmlns:a16="http://schemas.microsoft.com/office/drawing/2014/main" xmlns="" id="{B1A61D15-F808-473D-B195-9060ACBBECE3}"/>
               </a:ext>
             </a:extLst>
           </p:cNvPr>
@@ -7782,7 +7782,7 @@
           <p:cNvPr id="3" name="Text Placeholder 2">
             <a:extLst>
               <a:ext uri="{FF2B5EF4-FFF2-40B4-BE49-F238E27FC236}">
-                <a16:creationId xmlns="" xmlns:a16="http://schemas.microsoft.com/office/drawing/2014/main" id="{E91A5183-F566-4710-9F5E-AFCD74EC25B3}"/>
+                <a16:creationId xmlns:a16="http://schemas.microsoft.com/office/drawing/2014/main" xmlns="" id="{E91A5183-F566-4710-9F5E-AFCD74EC25B3}"/>
               </a:ext>
             </a:extLst>
           </p:cNvPr>
@@ -7849,7 +7849,7 @@
           <p:cNvPr id="4" name="Date Placeholder 3">
             <a:extLst>
               <a:ext uri="{FF2B5EF4-FFF2-40B4-BE49-F238E27FC236}">
-                <a16:creationId xmlns="" xmlns:a16="http://schemas.microsoft.com/office/drawing/2014/main" id="{656AE191-92A8-4994-8D65-BBF7BD6B0489}"/>
+                <a16:creationId xmlns:a16="http://schemas.microsoft.com/office/drawing/2014/main" xmlns="" id="{656AE191-92A8-4994-8D65-BBF7BD6B0489}"/>
               </a:ext>
             </a:extLst>
           </p:cNvPr>
@@ -7896,7 +7896,7 @@
           <p:cNvPr id="5" name="Footer Placeholder 4">
             <a:extLst>
               <a:ext uri="{FF2B5EF4-FFF2-40B4-BE49-F238E27FC236}">
-                <a16:creationId xmlns="" xmlns:a16="http://schemas.microsoft.com/office/drawing/2014/main" id="{B6F8D576-E6F4-4F3F-851F-CF0EC2D48F45}"/>
+                <a16:creationId xmlns:a16="http://schemas.microsoft.com/office/drawing/2014/main" xmlns="" id="{B6F8D576-E6F4-4F3F-851F-CF0EC2D48F45}"/>
               </a:ext>
             </a:extLst>
           </p:cNvPr>
@@ -7939,7 +7939,7 @@
           <p:cNvPr id="6" name="Slide Number Placeholder 5">
             <a:extLst>
               <a:ext uri="{FF2B5EF4-FFF2-40B4-BE49-F238E27FC236}">
-                <a16:creationId xmlns="" xmlns:a16="http://schemas.microsoft.com/office/drawing/2014/main" id="{8BF01A54-6E3B-42B8-A234-2C635314F894}"/>
+                <a16:creationId xmlns:a16="http://schemas.microsoft.com/office/drawing/2014/main" xmlns="" id="{8BF01A54-6E3B-42B8-A234-2C635314F894}"/>
               </a:ext>
             </a:extLst>
           </p:cNvPr>
@@ -8308,7 +8308,7 @@
           <p:cNvPr id="6" name="Title 1">
             <a:extLst>
               <a:ext uri="{FF2B5EF4-FFF2-40B4-BE49-F238E27FC236}">
-                <a16:creationId xmlns="" xmlns:a16="http://schemas.microsoft.com/office/drawing/2014/main" id="{F22218D7-95A3-4472-A9E8-DB8B623E709A}"/>
+                <a16:creationId xmlns:a16="http://schemas.microsoft.com/office/drawing/2014/main" xmlns="" id="{F22218D7-95A3-4472-A9E8-DB8B623E709A}"/>
               </a:ext>
             </a:extLst>
           </p:cNvPr>
@@ -8361,7 +8361,7 @@
           <p:cNvPr id="7" name="Subtitle 2">
             <a:extLst>
               <a:ext uri="{FF2B5EF4-FFF2-40B4-BE49-F238E27FC236}">
-                <a16:creationId xmlns="" xmlns:a16="http://schemas.microsoft.com/office/drawing/2014/main" id="{7ADFA0AD-12D8-4D5B-8255-96BA0E08AEA6}"/>
+                <a16:creationId xmlns:a16="http://schemas.microsoft.com/office/drawing/2014/main" xmlns="" id="{7ADFA0AD-12D8-4D5B-8255-96BA0E08AEA6}"/>
               </a:ext>
             </a:extLst>
           </p:cNvPr>
@@ -10188,7 +10188,7 @@
           <p:cNvPr id="4" name="Title 1">
             <a:extLst>
               <a:ext uri="{FF2B5EF4-FFF2-40B4-BE49-F238E27FC236}">
-                <a16:creationId xmlns="" xmlns:a16="http://schemas.microsoft.com/office/drawing/2014/main" id="{A2B78571-4D16-46E7-9B14-E1F8F3E93A8E}"/>
+                <a16:creationId xmlns:a16="http://schemas.microsoft.com/office/drawing/2014/main" xmlns="" id="{A2B78571-4D16-46E7-9B14-E1F8F3E93A8E}"/>
               </a:ext>
             </a:extLst>
           </p:cNvPr>
@@ -10305,9 +10305,6 @@
               </a:rPr>
               <a:t>5000G</a:t>
             </a:r>
-            <a:endParaRPr lang="en-US" sz="3200" dirty="0" smtClean="0">
-              <a:sym typeface="Wingdings"/>
-            </a:endParaRPr>
           </a:p>
           <a:p>
             <a:pPr marL="457200" indent="-457200">
